--- a/Report/Event Extraction/Survey Report - mingdi - 150910.pptx
+++ b/Report/Event Extraction/Survey Report - mingdi - 150910.pptx
@@ -252,7 +252,7 @@
           <a:p>
             <a:fld id="{C8EE7BD8-874C-4E86-8B11-71B5538DAB6E}" type="datetimeFigureOut">
               <a:rPr lang="en-US" smtClean="0"/>
-              <a:t>9/21/2015</a:t>
+              <a:t>9/22/2015</a:t>
             </a:fld>
             <a:endParaRPr lang="en-US"/>
           </a:p>
@@ -1902,7 +1902,7 @@
           <a:p>
             <a:fld id="{FE80A8B4-A94C-4914-94B9-53D21781C388}" type="datetimeFigureOut">
               <a:rPr lang="en-US" smtClean="0"/>
-              <a:t>9/21/2015</a:t>
+              <a:t>9/22/2015</a:t>
             </a:fld>
             <a:endParaRPr lang="en-US"/>
           </a:p>
@@ -2072,7 +2072,7 @@
           <a:p>
             <a:fld id="{FE80A8B4-A94C-4914-94B9-53D21781C388}" type="datetimeFigureOut">
               <a:rPr lang="en-US" smtClean="0"/>
-              <a:t>9/21/2015</a:t>
+              <a:t>9/22/2015</a:t>
             </a:fld>
             <a:endParaRPr lang="en-US"/>
           </a:p>
@@ -2252,7 +2252,7 @@
           <a:p>
             <a:fld id="{FE80A8B4-A94C-4914-94B9-53D21781C388}" type="datetimeFigureOut">
               <a:rPr lang="en-US" smtClean="0"/>
-              <a:t>9/21/2015</a:t>
+              <a:t>9/22/2015</a:t>
             </a:fld>
             <a:endParaRPr lang="en-US"/>
           </a:p>
@@ -2422,7 +2422,7 @@
           <a:p>
             <a:fld id="{FE80A8B4-A94C-4914-94B9-53D21781C388}" type="datetimeFigureOut">
               <a:rPr lang="en-US" smtClean="0"/>
-              <a:t>9/21/2015</a:t>
+              <a:t>9/22/2015</a:t>
             </a:fld>
             <a:endParaRPr lang="en-US"/>
           </a:p>
@@ -2666,7 +2666,7 @@
           <a:p>
             <a:fld id="{FE80A8B4-A94C-4914-94B9-53D21781C388}" type="datetimeFigureOut">
               <a:rPr lang="en-US" smtClean="0"/>
-              <a:t>9/21/2015</a:t>
+              <a:t>9/22/2015</a:t>
             </a:fld>
             <a:endParaRPr lang="en-US"/>
           </a:p>
@@ -2898,7 +2898,7 @@
           <a:p>
             <a:fld id="{FE80A8B4-A94C-4914-94B9-53D21781C388}" type="datetimeFigureOut">
               <a:rPr lang="en-US" smtClean="0"/>
-              <a:t>9/21/2015</a:t>
+              <a:t>9/22/2015</a:t>
             </a:fld>
             <a:endParaRPr lang="en-US"/>
           </a:p>
@@ -3265,7 +3265,7 @@
           <a:p>
             <a:fld id="{FE80A8B4-A94C-4914-94B9-53D21781C388}" type="datetimeFigureOut">
               <a:rPr lang="en-US" smtClean="0"/>
-              <a:t>9/21/2015</a:t>
+              <a:t>9/22/2015</a:t>
             </a:fld>
             <a:endParaRPr lang="en-US"/>
           </a:p>
@@ -3383,7 +3383,7 @@
           <a:p>
             <a:fld id="{FE80A8B4-A94C-4914-94B9-53D21781C388}" type="datetimeFigureOut">
               <a:rPr lang="en-US" smtClean="0"/>
-              <a:t>9/21/2015</a:t>
+              <a:t>9/22/2015</a:t>
             </a:fld>
             <a:endParaRPr lang="en-US"/>
           </a:p>
@@ -3478,7 +3478,7 @@
           <a:p>
             <a:fld id="{FE80A8B4-A94C-4914-94B9-53D21781C388}" type="datetimeFigureOut">
               <a:rPr lang="en-US" smtClean="0"/>
-              <a:t>9/21/2015</a:t>
+              <a:t>9/22/2015</a:t>
             </a:fld>
             <a:endParaRPr lang="en-US"/>
           </a:p>
@@ -3755,7 +3755,7 @@
           <a:p>
             <a:fld id="{FE80A8B4-A94C-4914-94B9-53D21781C388}" type="datetimeFigureOut">
               <a:rPr lang="en-US" smtClean="0"/>
-              <a:t>9/21/2015</a:t>
+              <a:t>9/22/2015</a:t>
             </a:fld>
             <a:endParaRPr lang="en-US"/>
           </a:p>
@@ -4012,7 +4012,7 @@
           <a:p>
             <a:fld id="{FE80A8B4-A94C-4914-94B9-53D21781C388}" type="datetimeFigureOut">
               <a:rPr lang="en-US" smtClean="0"/>
-              <a:t>9/21/2015</a:t>
+              <a:t>9/22/2015</a:t>
             </a:fld>
             <a:endParaRPr lang="en-US"/>
           </a:p>
@@ -4225,7 +4225,7 @@
           <a:p>
             <a:fld id="{FE80A8B4-A94C-4914-94B9-53D21781C388}" type="datetimeFigureOut">
               <a:rPr lang="en-US" smtClean="0"/>
-              <a:t>9/21/2015</a:t>
+              <a:t>9/22/2015</a:t>
             </a:fld>
             <a:endParaRPr lang="en-US"/>
           </a:p>
@@ -8880,7 +8880,7 @@
         </p:spPr>
         <p:txBody>
           <a:bodyPr>
-            <a:normAutofit fontScale="92500"/>
+            <a:normAutofit lnSpcReduction="10000"/>
           </a:bodyPr>
           <a:lstStyle/>
           <a:p>
@@ -8973,8 +8973,13 @@
             <a:pPr lvl="1"/>
             <a:r>
               <a:rPr lang="en-US" dirty="0" smtClean="0"/>
-              <a:t>When entities participate in event of certain type with a certain role, they will play limited role in limited event of different role. </a:t>
-            </a:r>
+              <a:t>When entities participate in event of certain type with a certain role, they will play limited role in limited </a:t>
+            </a:r>
+            <a:r>
+              <a:rPr lang="en-US" dirty="0" smtClean="0"/>
+              <a:t>event. </a:t>
+            </a:r>
+            <a:endParaRPr lang="en-US" dirty="0" smtClean="0"/>
           </a:p>
         </p:txBody>
       </p:sp>
@@ -11512,11 +11517,7 @@
             </a:r>
             <a:r>
               <a:rPr lang="en-US" sz="4800" dirty="0"/>
-              <a:t>for </a:t>
-            </a:r>
-            <a:r>
-              <a:rPr lang="en-US" sz="4800" dirty="0"/>
-              <a:t>Modelling Sentences</a:t>
+              <a:t>for Modelling Sentences</a:t>
             </a:r>
           </a:p>
         </p:txBody>
@@ -11562,7 +11563,6 @@
               <a:rPr lang="en-US" sz="2800" dirty="0"/>
               <a:t>.</a:t>
             </a:r>
-            <a:endParaRPr lang="en-US" sz="2800" dirty="0"/>
           </a:p>
         </p:txBody>
       </p:sp>
@@ -15462,19 +15462,32 @@
             </a:r>
             <a:r>
               <a:rPr lang="en-US" dirty="0" smtClean="0"/>
-              <a:t>ine-grained: subtype of entity</a:t>
+              <a:t>ine-grained: </a:t>
+            </a:r>
+            <a:r>
+              <a:rPr lang="en-US" dirty="0" smtClean="0"/>
+              <a:t>more precise subtype </a:t>
+            </a:r>
+            <a:r>
+              <a:rPr lang="en-US" dirty="0" smtClean="0"/>
+              <a:t>of </a:t>
+            </a:r>
+            <a:r>
+              <a:rPr lang="en-US" dirty="0" smtClean="0"/>
+              <a:t>entity</a:t>
             </a:r>
           </a:p>
           <a:p>
             <a:pPr lvl="2"/>
             <a:r>
+              <a:rPr lang="en-US" dirty="0" smtClean="0"/>
+              <a:t>Related corpus (time</a:t>
+            </a:r>
+            <a:r>
               <a:rPr lang="en-US" dirty="0"/>
-              <a:t>R</a:t>
-            </a:r>
-            <a:r>
-              <a:rPr lang="en-US" dirty="0" smtClean="0"/>
-              <a:t>esolve ambiguities</a:t>
-            </a:r>
+              <a:t>, source)</a:t>
+            </a:r>
+            <a:endParaRPr lang="en-US" dirty="0" smtClean="0"/>
           </a:p>
           <a:p>
             <a:pPr lvl="1"/>
@@ -15552,8 +15565,20 @@
             </a:r>
             <a:r>
               <a:rPr lang="en-US" dirty="0" smtClean="0"/>
-              <a:t>patterns.</a:t>
-            </a:r>
+              <a:t>patterns</a:t>
+            </a:r>
+            <a:r>
+              <a:rPr lang="en-US" dirty="0" smtClean="0"/>
+              <a:t>.</a:t>
+            </a:r>
+          </a:p>
+          <a:p>
+            <a:pPr lvl="1"/>
+            <a:r>
+              <a:rPr lang="en-US" dirty="0" smtClean="0"/>
+              <a:t>Using distributed representation to get task-related representation of features </a:t>
+            </a:r>
+            <a:endParaRPr lang="en-US" dirty="0" smtClean="0"/>
           </a:p>
         </p:txBody>
       </p:sp>
@@ -15633,7 +15658,9 @@
         </p:nvSpPr>
         <p:spPr/>
         <p:txBody>
-          <a:bodyPr/>
+          <a:bodyPr>
+            <a:normAutofit fontScale="92500" lnSpcReduction="20000"/>
+          </a:bodyPr>
           <a:lstStyle/>
           <a:p>
             <a:pPr marL="0" indent="0">
@@ -15644,7 +15671,48 @@
           <a:p>
             <a:r>
               <a:rPr lang="en-US" dirty="0"/>
-              <a:t>We can use seed-based method to improve trigger F1 score in previous method</a:t>
+              <a:t>We can use seed-based method to improve trigger F1 </a:t>
+            </a:r>
+            <a:r>
+              <a:rPr lang="en-US" dirty="0" smtClean="0"/>
+              <a:t>score.</a:t>
+            </a:r>
+            <a:endParaRPr lang="en-US" dirty="0" smtClean="0"/>
+          </a:p>
+          <a:p>
+            <a:r>
+              <a:rPr lang="en-US" dirty="0" smtClean="0"/>
+              <a:t>We </a:t>
+            </a:r>
+            <a:r>
+              <a:rPr lang="en-US" dirty="0" smtClean="0"/>
+              <a:t>can use NER tagger to find effective argument </a:t>
+            </a:r>
+            <a:r>
+              <a:rPr lang="en-US" dirty="0" smtClean="0"/>
+              <a:t>candidates and </a:t>
+            </a:r>
+            <a:r>
+              <a:rPr lang="en-US" dirty="0" smtClean="0"/>
+              <a:t>utilize embedding to </a:t>
+            </a:r>
+            <a:r>
+              <a:rPr lang="en-US" dirty="0"/>
+              <a:t>generate </a:t>
+            </a:r>
+            <a:r>
+              <a:rPr lang="en-US" dirty="0" smtClean="0"/>
+              <a:t>more accurate and more fine-grained entity subtype.</a:t>
+            </a:r>
+          </a:p>
+          <a:p>
+            <a:r>
+              <a:rPr lang="en-US" dirty="0" smtClean="0"/>
+              <a:t>We </a:t>
+            </a:r>
+            <a:r>
+              <a:rPr lang="en-US" dirty="0"/>
+              <a:t>can add new features to DMCNN, e.g., subtype of entity, binary indicator of distribution of event type</a:t>
             </a:r>
             <a:r>
               <a:rPr lang="en-US" dirty="0" smtClean="0"/>
@@ -15654,26 +15722,22 @@
           <a:p>
             <a:r>
               <a:rPr lang="en-US" dirty="0" smtClean="0"/>
-              <a:t>We can cluster the </a:t>
-            </a:r>
-            <a:r>
-              <a:rPr lang="en-US" dirty="0" err="1" smtClean="0"/>
-              <a:t>embeddings</a:t>
-            </a:r>
+              <a:t>New methods used in other DL architecture can be used in DMCNN. </a:t>
+            </a:r>
+            <a:endParaRPr lang="en-US" dirty="0"/>
+          </a:p>
+          <a:p>
             <a:r>
               <a:rPr lang="en-US" dirty="0" smtClean="0"/>
-              <a:t> and find  useful information.</a:t>
-            </a:r>
-            <a:endParaRPr lang="en-US" dirty="0"/>
-          </a:p>
-          <a:p>
-            <a:r>
-              <a:rPr lang="en-US" dirty="0"/>
-              <a:t>We can add new features to DMCNN, e.g., subtype of entity, binary indicator of distribution of event type</a:t>
+              <a:t>Inference method used in previous system</a:t>
             </a:r>
             <a:r>
               <a:rPr lang="en-US" dirty="0" smtClean="0"/>
-              <a:t>.</a:t>
+              <a:t>s </a:t>
+            </a:r>
+            <a:r>
+              <a:rPr lang="en-US" dirty="0" smtClean="0"/>
+              <a:t>can also be used in new system.</a:t>
             </a:r>
             <a:endParaRPr lang="en-US" dirty="0"/>
           </a:p>
@@ -18586,8 +18650,25 @@
           <a:p>
             <a:r>
               <a:rPr lang="en-US" dirty="0" smtClean="0"/>
-              <a:t>ID: LDC2006D06</a:t>
-            </a:r>
+              <a:t>ID: </a:t>
+            </a:r>
+            <a:r>
+              <a:rPr lang="en-US" dirty="0"/>
+              <a:t>LDC2006D06 </a:t>
+            </a:r>
+            <a:r>
+              <a:rPr lang="en-US" altLang="zh-CN" dirty="0" smtClean="0"/>
+              <a:t>--</a:t>
+            </a:r>
+            <a:r>
+              <a:rPr lang="en-US" dirty="0" smtClean="0"/>
+              <a:t> </a:t>
+            </a:r>
+            <a:r>
+              <a:rPr lang="en-US" dirty="0"/>
+              <a:t>timex2norm</a:t>
+            </a:r>
+            <a:endParaRPr lang="en-US" dirty="0" smtClean="0"/>
           </a:p>
           <a:p>
             <a:r>
